--- a/Prevajanje Programskih Jezikov/Načrtovanje jezika/PPJezikov_projekt.pptx
+++ b/Prevajanje Programskih Jezikov/Načrtovanje jezika/PPJezikov_projekt.pptx
@@ -114,6 +114,11 @@
       </a:defRPr>
     </a:lvl9pPr>
   </p:defaultTextStyle>
+  <p:extLst>
+    <p:ext uri="{EFAFB233-063F-42B5-8137-9DF3F51BA10A}">
+      <p15:sldGuideLst xmlns:p15="http://schemas.microsoft.com/office/powerpoint/2012/main"/>
+    </p:ext>
+  </p:extLst>
 </p:presentation>
 </file>
 
@@ -839,7 +844,7 @@
           <a:p>
             <a:fld id="{1CACA840-3F0D-4478-993E-EDCD184ACC93}" type="datetimeFigureOut">
               <a:rPr lang="en-US" smtClean="0"/>
-              <a:t>6/5/2022</a:t>
+              <a:t>6/9/2022</a:t>
             </a:fld>
             <a:endParaRPr lang="en-US"/>
           </a:p>
@@ -1090,7 +1095,7 @@
           <a:p>
             <a:fld id="{1CACA840-3F0D-4478-993E-EDCD184ACC93}" type="datetimeFigureOut">
               <a:rPr lang="en-US" smtClean="0"/>
-              <a:t>6/5/2022</a:t>
+              <a:t>6/9/2022</a:t>
             </a:fld>
             <a:endParaRPr lang="en-US"/>
           </a:p>
@@ -1404,7 +1409,7 @@
           <a:p>
             <a:fld id="{1CACA840-3F0D-4478-993E-EDCD184ACC93}" type="datetimeFigureOut">
               <a:rPr lang="en-US" smtClean="0"/>
-              <a:t>6/5/2022</a:t>
+              <a:t>6/9/2022</a:t>
             </a:fld>
             <a:endParaRPr lang="en-US"/>
           </a:p>
@@ -1745,7 +1750,7 @@
           <a:p>
             <a:fld id="{1CACA840-3F0D-4478-993E-EDCD184ACC93}" type="datetimeFigureOut">
               <a:rPr lang="en-US" smtClean="0"/>
-              <a:t>6/5/2022</a:t>
+              <a:t>6/9/2022</a:t>
             </a:fld>
             <a:endParaRPr lang="en-US"/>
           </a:p>
@@ -2059,7 +2064,7 @@
           <a:p>
             <a:fld id="{1CACA840-3F0D-4478-993E-EDCD184ACC93}" type="datetimeFigureOut">
               <a:rPr lang="en-US" smtClean="0"/>
-              <a:t>6/5/2022</a:t>
+              <a:t>6/9/2022</a:t>
             </a:fld>
             <a:endParaRPr lang="en-US"/>
           </a:p>
@@ -2452,7 +2457,7 @@
           <a:p>
             <a:fld id="{1CACA840-3F0D-4478-993E-EDCD184ACC93}" type="datetimeFigureOut">
               <a:rPr lang="en-US" smtClean="0"/>
-              <a:t>6/5/2022</a:t>
+              <a:t>6/9/2022</a:t>
             </a:fld>
             <a:endParaRPr lang="en-US"/>
           </a:p>
@@ -2622,7 +2627,7 @@
           <a:p>
             <a:fld id="{1CACA840-3F0D-4478-993E-EDCD184ACC93}" type="datetimeFigureOut">
               <a:rPr lang="en-US" smtClean="0"/>
-              <a:t>6/5/2022</a:t>
+              <a:t>6/9/2022</a:t>
             </a:fld>
             <a:endParaRPr lang="en-US"/>
           </a:p>
@@ -2802,7 +2807,7 @@
           <a:p>
             <a:fld id="{1CACA840-3F0D-4478-993E-EDCD184ACC93}" type="datetimeFigureOut">
               <a:rPr lang="en-US" smtClean="0"/>
-              <a:t>6/5/2022</a:t>
+              <a:t>6/9/2022</a:t>
             </a:fld>
             <a:endParaRPr lang="en-US"/>
           </a:p>
@@ -2978,7 +2983,7 @@
           <a:p>
             <a:fld id="{1CACA840-3F0D-4478-993E-EDCD184ACC93}" type="datetimeFigureOut">
               <a:rPr lang="en-US" smtClean="0"/>
-              <a:t>6/5/2022</a:t>
+              <a:t>6/9/2022</a:t>
             </a:fld>
             <a:endParaRPr lang="en-US"/>
           </a:p>
@@ -3225,7 +3230,7 @@
           <a:p>
             <a:fld id="{1CACA840-3F0D-4478-993E-EDCD184ACC93}" type="datetimeFigureOut">
               <a:rPr lang="en-US" smtClean="0"/>
-              <a:t>6/5/2022</a:t>
+              <a:t>6/9/2022</a:t>
             </a:fld>
             <a:endParaRPr lang="en-US"/>
           </a:p>
@@ -3457,7 +3462,7 @@
           <a:p>
             <a:fld id="{1CACA840-3F0D-4478-993E-EDCD184ACC93}" type="datetimeFigureOut">
               <a:rPr lang="en-US" smtClean="0"/>
-              <a:t>6/5/2022</a:t>
+              <a:t>6/9/2022</a:t>
             </a:fld>
             <a:endParaRPr lang="en-US"/>
           </a:p>
@@ -3831,7 +3836,7 @@
           <a:p>
             <a:fld id="{1CACA840-3F0D-4478-993E-EDCD184ACC93}" type="datetimeFigureOut">
               <a:rPr lang="en-US" smtClean="0"/>
-              <a:t>6/5/2022</a:t>
+              <a:t>6/9/2022</a:t>
             </a:fld>
             <a:endParaRPr lang="en-US"/>
           </a:p>
@@ -3954,7 +3959,7 @@
           <a:p>
             <a:fld id="{1CACA840-3F0D-4478-993E-EDCD184ACC93}" type="datetimeFigureOut">
               <a:rPr lang="en-US" smtClean="0"/>
-              <a:t>6/5/2022</a:t>
+              <a:t>6/9/2022</a:t>
             </a:fld>
             <a:endParaRPr lang="en-US"/>
           </a:p>
@@ -4049,7 +4054,7 @@
           <a:p>
             <a:fld id="{1CACA840-3F0D-4478-993E-EDCD184ACC93}" type="datetimeFigureOut">
               <a:rPr lang="en-US" smtClean="0"/>
-              <a:t>6/5/2022</a:t>
+              <a:t>6/9/2022</a:t>
             </a:fld>
             <a:endParaRPr lang="en-US"/>
           </a:p>
@@ -4304,7 +4309,7 @@
           <a:p>
             <a:fld id="{1CACA840-3F0D-4478-993E-EDCD184ACC93}" type="datetimeFigureOut">
               <a:rPr lang="en-US" smtClean="0"/>
-              <a:t>6/5/2022</a:t>
+              <a:t>6/9/2022</a:t>
             </a:fld>
             <a:endParaRPr lang="en-US"/>
           </a:p>
@@ -4567,7 +4572,7 @@
           <a:p>
             <a:fld id="{1CACA840-3F0D-4478-993E-EDCD184ACC93}" type="datetimeFigureOut">
               <a:rPr lang="en-US" smtClean="0"/>
-              <a:t>6/5/2022</a:t>
+              <a:t>6/9/2022</a:t>
             </a:fld>
             <a:endParaRPr lang="en-US"/>
           </a:p>
@@ -5310,7 +5315,7 @@
           <a:p>
             <a:fld id="{1CACA840-3F0D-4478-993E-EDCD184ACC93}" type="datetimeFigureOut">
               <a:rPr lang="en-US" smtClean="0"/>
-              <a:t>6/5/2022</a:t>
+              <a:t>6/9/2022</a:t>
             </a:fld>
             <a:endParaRPr lang="en-US"/>
           </a:p>
@@ -5865,7 +5870,7 @@
             <a:pPr algn="ctr"/>
             <a:r>
               <a:rPr lang="sl-SI" dirty="0"/>
-              <a:t>Domesnko specifični jezik za opis vsega, kar je povazno s kolesarstvom v Mariboru</a:t>
+              <a:t>Domensko specifični jezik za opis vsega, kar je povazno s kolesarstvom v Mariboru</a:t>
             </a:r>
             <a:endParaRPr lang="en-US" dirty="0"/>
           </a:p>

--- a/Prevajanje Programskih Jezikov/Načrtovanje jezika/PPJezikov_projekt.pptx
+++ b/Prevajanje Programskih Jezikov/Načrtovanje jezika/PPJezikov_projekt.pptx
@@ -7592,6 +7592,36 @@
           </a:prstGeom>
         </p:spPr>
       </p:pic>
+      <p:pic>
+        <p:nvPicPr>
+          <p:cNvPr id="4" name="Picture 3">
+            <a:extLst>
+              <a:ext uri="{FF2B5EF4-FFF2-40B4-BE49-F238E27FC236}">
+                <a16:creationId xmlns:a16="http://schemas.microsoft.com/office/drawing/2014/main" id="{F359CF3C-645A-34C6-BE03-B274CCD8E889}"/>
+              </a:ext>
+            </a:extLst>
+          </p:cNvPr>
+          <p:cNvPicPr>
+            <a:picLocks noChangeAspect="1"/>
+          </p:cNvPicPr>
+          <p:nvPr/>
+        </p:nvPicPr>
+        <p:blipFill>
+          <a:blip r:embed="rId3"/>
+          <a:stretch>
+            <a:fillRect/>
+          </a:stretch>
+        </p:blipFill>
+        <p:spPr>
+          <a:xfrm>
+            <a:off x="6096000" y="1312358"/>
+            <a:ext cx="5973177" cy="2116642"/>
+          </a:xfrm>
+          <a:prstGeom prst="rect">
+            <a:avLst/>
+          </a:prstGeom>
+        </p:spPr>
+      </p:pic>
     </p:spTree>
     <p:extLst>
       <p:ext uri="{BB962C8B-B14F-4D97-AF65-F5344CB8AC3E}">
